--- a/2DGP 3차 발표.pptx
+++ b/2DGP 3차 발표.pptx
@@ -7,6 +7,7 @@
   <p:sldIdLst>
     <p:sldId id="256" r:id="rId2"/>
     <p:sldId id="257" r:id="rId3"/>
+    <p:sldId id="258" r:id="rId4"/>
   </p:sldIdLst>
   <p:sldSz cx="12192000" cy="6858000"/>
   <p:notesSz cx="6858000" cy="9144000"/>
@@ -5752,6 +5753,522 @@
 </p:sld>
 </file>
 
+<file path=ppt/slides/slide3.xml><?xml version="1.0" encoding="utf-8"?>
+<p:sld xmlns:a="http://schemas.openxmlformats.org/drawingml/2006/main" xmlns:r="http://schemas.openxmlformats.org/officeDocument/2006/relationships" xmlns:p="http://schemas.openxmlformats.org/presentationml/2006/main">
+  <p:cSld>
+    <p:spTree>
+      <p:nvGrpSpPr>
+        <p:cNvPr id="1" name=""/>
+        <p:cNvGrpSpPr/>
+        <p:nvPr/>
+      </p:nvGrpSpPr>
+      <p:grpSpPr>
+        <a:xfrm>
+          <a:off x="0" y="0"/>
+          <a:ext cx="0" cy="0"/>
+          <a:chOff x="0" y="0"/>
+          <a:chExt cx="0" cy="0"/>
+        </a:xfrm>
+      </p:grpSpPr>
+      <p:sp>
+        <p:nvSpPr>
+          <p:cNvPr id="2" name="제목 1">
+            <a:extLst>
+              <a:ext uri="{FF2B5EF4-FFF2-40B4-BE49-F238E27FC236}">
+                <a16:creationId xmlns:a16="http://schemas.microsoft.com/office/drawing/2014/main" id="{D4C3E8D1-4AE9-464B-A421-46ED31A12D22}"/>
+              </a:ext>
+            </a:extLst>
+          </p:cNvPr>
+          <p:cNvSpPr>
+            <a:spLocks noGrp="1"/>
+          </p:cNvSpPr>
+          <p:nvPr>
+            <p:ph type="title"/>
+          </p:nvPr>
+        </p:nvSpPr>
+        <p:spPr/>
+        <p:txBody>
+          <a:bodyPr/>
+          <a:lstStyle/>
+          <a:p>
+            <a:r>
+              <a:rPr lang="ko-KR" altLang="en-US" dirty="0"/>
+              <a:t>주별 </a:t>
+            </a:r>
+            <a:r>
+              <a:rPr lang="ko-KR" altLang="en-US" dirty="0" err="1"/>
+              <a:t>커밋</a:t>
+            </a:r>
+            <a:r>
+              <a:rPr lang="ko-KR" altLang="en-US" dirty="0"/>
+              <a:t> 횟수</a:t>
+            </a:r>
+          </a:p>
+        </p:txBody>
+      </p:sp>
+      <p:graphicFrame>
+        <p:nvGraphicFramePr>
+          <p:cNvPr id="6" name="표 6">
+            <a:extLst>
+              <a:ext uri="{FF2B5EF4-FFF2-40B4-BE49-F238E27FC236}">
+                <a16:creationId xmlns:a16="http://schemas.microsoft.com/office/drawing/2014/main" id="{E7E8FF01-89B3-45BF-8011-41D540974163}"/>
+              </a:ext>
+            </a:extLst>
+          </p:cNvPr>
+          <p:cNvGraphicFramePr>
+            <a:graphicFrameLocks noGrp="1"/>
+          </p:cNvGraphicFramePr>
+          <p:nvPr>
+            <p:ph idx="1"/>
+            <p:extLst>
+              <p:ext uri="{D42A27DB-BD31-4B8C-83A1-F6EECF244321}">
+                <p14:modId xmlns:p14="http://schemas.microsoft.com/office/powerpoint/2010/main" val="4016537809"/>
+              </p:ext>
+            </p:extLst>
+          </p:nvPr>
+        </p:nvGraphicFramePr>
+        <p:xfrm>
+          <a:off x="1066800" y="2103438"/>
+          <a:ext cx="10058400" cy="3708400"/>
+        </p:xfrm>
+        <a:graphic>
+          <a:graphicData uri="http://schemas.openxmlformats.org/drawingml/2006/table">
+            <a:tbl>
+              <a:tblPr firstRow="1" bandRow="1">
+                <a:tableStyleId>{5C22544A-7EE6-4342-B048-85BDC9FD1C3A}</a:tableStyleId>
+              </a:tblPr>
+              <a:tblGrid>
+                <a:gridCol w="5029200">
+                  <a:extLst>
+                    <a:ext uri="{9D8B030D-6E8A-4147-A177-3AD203B41FA5}">
+                      <a16:colId xmlns:a16="http://schemas.microsoft.com/office/drawing/2014/main" val="3653428354"/>
+                    </a:ext>
+                  </a:extLst>
+                </a:gridCol>
+                <a:gridCol w="5029200">
+                  <a:extLst>
+                    <a:ext uri="{9D8B030D-6E8A-4147-A177-3AD203B41FA5}">
+                      <a16:colId xmlns:a16="http://schemas.microsoft.com/office/drawing/2014/main" val="119748055"/>
+                    </a:ext>
+                  </a:extLst>
+                </a:gridCol>
+              </a:tblGrid>
+              <a:tr h="370840">
+                <a:tc>
+                  <a:txBody>
+                    <a:bodyPr/>
+                    <a:lstStyle/>
+                    <a:p>
+                      <a:pPr latinLnBrk="1"/>
+                      <a:r>
+                        <a:rPr lang="ko-KR" altLang="en-US" dirty="0"/>
+                        <a:t>주차</a:t>
+                      </a:r>
+                    </a:p>
+                  </a:txBody>
+                  <a:tcPr/>
+                </a:tc>
+                <a:tc>
+                  <a:txBody>
+                    <a:bodyPr/>
+                    <a:lstStyle/>
+                    <a:p>
+                      <a:pPr latinLnBrk="1"/>
+                      <a:r>
+                        <a:rPr lang="ko-KR" altLang="en-US" dirty="0" err="1"/>
+                        <a:t>커밋</a:t>
+                      </a:r>
+                      <a:r>
+                        <a:rPr lang="ko-KR" altLang="en-US" dirty="0"/>
+                        <a:t> 횟수</a:t>
+                      </a:r>
+                    </a:p>
+                  </a:txBody>
+                  <a:tcPr/>
+                </a:tc>
+                <a:extLst>
+                  <a:ext uri="{0D108BD9-81ED-4DB2-BD59-A6C34878D82A}">
+                    <a16:rowId xmlns:a16="http://schemas.microsoft.com/office/drawing/2014/main" val="2193128251"/>
+                  </a:ext>
+                </a:extLst>
+              </a:tr>
+              <a:tr h="370840">
+                <a:tc>
+                  <a:txBody>
+                    <a:bodyPr/>
+                    <a:lstStyle/>
+                    <a:p>
+                      <a:pPr latinLnBrk="1"/>
+                      <a:r>
+                        <a:rPr lang="en-US" altLang="ko-KR" dirty="0"/>
+                        <a:t>1</a:t>
+                      </a:r>
+                      <a:r>
+                        <a:rPr lang="ko-KR" altLang="en-US" dirty="0"/>
+                        <a:t>주차</a:t>
+                      </a:r>
+                    </a:p>
+                  </a:txBody>
+                  <a:tcPr/>
+                </a:tc>
+                <a:tc>
+                  <a:txBody>
+                    <a:bodyPr/>
+                    <a:lstStyle/>
+                    <a:p>
+                      <a:pPr latinLnBrk="1"/>
+                      <a:r>
+                        <a:rPr lang="en-US" altLang="ko-KR" dirty="0"/>
+                        <a:t>0</a:t>
+                      </a:r>
+                      <a:endParaRPr lang="ko-KR" altLang="en-US" dirty="0"/>
+                    </a:p>
+                  </a:txBody>
+                  <a:tcPr/>
+                </a:tc>
+                <a:extLst>
+                  <a:ext uri="{0D108BD9-81ED-4DB2-BD59-A6C34878D82A}">
+                    <a16:rowId xmlns:a16="http://schemas.microsoft.com/office/drawing/2014/main" val="2040211068"/>
+                  </a:ext>
+                </a:extLst>
+              </a:tr>
+              <a:tr h="370840">
+                <a:tc>
+                  <a:txBody>
+                    <a:bodyPr/>
+                    <a:lstStyle/>
+                    <a:p>
+                      <a:pPr latinLnBrk="1"/>
+                      <a:r>
+                        <a:rPr lang="en-US" altLang="ko-KR" dirty="0"/>
+                        <a:t>2</a:t>
+                      </a:r>
+                      <a:r>
+                        <a:rPr lang="ko-KR" altLang="en-US" dirty="0"/>
+                        <a:t>주차</a:t>
+                      </a:r>
+                    </a:p>
+                  </a:txBody>
+                  <a:tcPr/>
+                </a:tc>
+                <a:tc>
+                  <a:txBody>
+                    <a:bodyPr/>
+                    <a:lstStyle/>
+                    <a:p>
+                      <a:pPr latinLnBrk="1"/>
+                      <a:r>
+                        <a:rPr lang="en-US" altLang="ko-KR" dirty="0"/>
+                        <a:t>4</a:t>
+                      </a:r>
+                      <a:endParaRPr lang="ko-KR" altLang="en-US" dirty="0"/>
+                    </a:p>
+                  </a:txBody>
+                  <a:tcPr/>
+                </a:tc>
+                <a:extLst>
+                  <a:ext uri="{0D108BD9-81ED-4DB2-BD59-A6C34878D82A}">
+                    <a16:rowId xmlns:a16="http://schemas.microsoft.com/office/drawing/2014/main" val="2714653818"/>
+                  </a:ext>
+                </a:extLst>
+              </a:tr>
+              <a:tr h="370840">
+                <a:tc>
+                  <a:txBody>
+                    <a:bodyPr/>
+                    <a:lstStyle/>
+                    <a:p>
+                      <a:pPr latinLnBrk="1"/>
+                      <a:r>
+                        <a:rPr lang="en-US" altLang="ko-KR" dirty="0"/>
+                        <a:t>3</a:t>
+                      </a:r>
+                      <a:r>
+                        <a:rPr lang="ko-KR" altLang="en-US" dirty="0"/>
+                        <a:t>주차</a:t>
+                      </a:r>
+                    </a:p>
+                  </a:txBody>
+                  <a:tcPr/>
+                </a:tc>
+                <a:tc>
+                  <a:txBody>
+                    <a:bodyPr/>
+                    <a:lstStyle/>
+                    <a:p>
+                      <a:pPr latinLnBrk="1"/>
+                      <a:r>
+                        <a:rPr lang="en-US" altLang="ko-KR" dirty="0"/>
+                        <a:t>1</a:t>
+                      </a:r>
+                      <a:endParaRPr lang="ko-KR" altLang="en-US" dirty="0"/>
+                    </a:p>
+                  </a:txBody>
+                  <a:tcPr/>
+                </a:tc>
+                <a:extLst>
+                  <a:ext uri="{0D108BD9-81ED-4DB2-BD59-A6C34878D82A}">
+                    <a16:rowId xmlns:a16="http://schemas.microsoft.com/office/drawing/2014/main" val="1743778838"/>
+                  </a:ext>
+                </a:extLst>
+              </a:tr>
+              <a:tr h="370840">
+                <a:tc>
+                  <a:txBody>
+                    <a:bodyPr/>
+                    <a:lstStyle/>
+                    <a:p>
+                      <a:pPr latinLnBrk="1"/>
+                      <a:r>
+                        <a:rPr lang="en-US" altLang="ko-KR" dirty="0"/>
+                        <a:t>4</a:t>
+                      </a:r>
+                      <a:r>
+                        <a:rPr lang="ko-KR" altLang="en-US" dirty="0"/>
+                        <a:t>주차</a:t>
+                      </a:r>
+                    </a:p>
+                  </a:txBody>
+                  <a:tcPr/>
+                </a:tc>
+                <a:tc>
+                  <a:txBody>
+                    <a:bodyPr/>
+                    <a:lstStyle/>
+                    <a:p>
+                      <a:pPr latinLnBrk="1"/>
+                      <a:r>
+                        <a:rPr lang="en-US" altLang="ko-KR" dirty="0"/>
+                        <a:t>6</a:t>
+                      </a:r>
+                      <a:endParaRPr lang="ko-KR" altLang="en-US" dirty="0"/>
+                    </a:p>
+                  </a:txBody>
+                  <a:tcPr/>
+                </a:tc>
+                <a:extLst>
+                  <a:ext uri="{0D108BD9-81ED-4DB2-BD59-A6C34878D82A}">
+                    <a16:rowId xmlns:a16="http://schemas.microsoft.com/office/drawing/2014/main" val="2673561041"/>
+                  </a:ext>
+                </a:extLst>
+              </a:tr>
+              <a:tr h="370840">
+                <a:tc>
+                  <a:txBody>
+                    <a:bodyPr/>
+                    <a:lstStyle/>
+                    <a:p>
+                      <a:pPr latinLnBrk="1"/>
+                      <a:r>
+                        <a:rPr lang="en-US" altLang="ko-KR" dirty="0"/>
+                        <a:t>5</a:t>
+                      </a:r>
+                      <a:r>
+                        <a:rPr lang="ko-KR" altLang="en-US" dirty="0"/>
+                        <a:t>주차</a:t>
+                      </a:r>
+                    </a:p>
+                  </a:txBody>
+                  <a:tcPr/>
+                </a:tc>
+                <a:tc>
+                  <a:txBody>
+                    <a:bodyPr/>
+                    <a:lstStyle/>
+                    <a:p>
+                      <a:pPr latinLnBrk="1"/>
+                      <a:r>
+                        <a:rPr lang="en-US" altLang="ko-KR" dirty="0"/>
+                        <a:t>8</a:t>
+                      </a:r>
+                      <a:endParaRPr lang="ko-KR" altLang="en-US" dirty="0"/>
+                    </a:p>
+                  </a:txBody>
+                  <a:tcPr/>
+                </a:tc>
+                <a:extLst>
+                  <a:ext uri="{0D108BD9-81ED-4DB2-BD59-A6C34878D82A}">
+                    <a16:rowId xmlns:a16="http://schemas.microsoft.com/office/drawing/2014/main" val="3396135918"/>
+                  </a:ext>
+                </a:extLst>
+              </a:tr>
+              <a:tr h="370840">
+                <a:tc>
+                  <a:txBody>
+                    <a:bodyPr/>
+                    <a:lstStyle/>
+                    <a:p>
+                      <a:pPr latinLnBrk="1"/>
+                      <a:r>
+                        <a:rPr lang="en-US" altLang="ko-KR" dirty="0"/>
+                        <a:t>6</a:t>
+                      </a:r>
+                      <a:r>
+                        <a:rPr lang="ko-KR" altLang="en-US" dirty="0"/>
+                        <a:t>주차</a:t>
+                      </a:r>
+                    </a:p>
+                  </a:txBody>
+                  <a:tcPr/>
+                </a:tc>
+                <a:tc>
+                  <a:txBody>
+                    <a:bodyPr/>
+                    <a:lstStyle/>
+                    <a:p>
+                      <a:pPr latinLnBrk="1"/>
+                      <a:r>
+                        <a:rPr lang="en-US" altLang="ko-KR" dirty="0"/>
+                        <a:t>3</a:t>
+                      </a:r>
+                      <a:endParaRPr lang="ko-KR" altLang="en-US" dirty="0"/>
+                    </a:p>
+                  </a:txBody>
+                  <a:tcPr/>
+                </a:tc>
+                <a:extLst>
+                  <a:ext uri="{0D108BD9-81ED-4DB2-BD59-A6C34878D82A}">
+                    <a16:rowId xmlns:a16="http://schemas.microsoft.com/office/drawing/2014/main" val="554606462"/>
+                  </a:ext>
+                </a:extLst>
+              </a:tr>
+              <a:tr h="370840">
+                <a:tc>
+                  <a:txBody>
+                    <a:bodyPr/>
+                    <a:lstStyle/>
+                    <a:p>
+                      <a:pPr latinLnBrk="1"/>
+                      <a:r>
+                        <a:rPr lang="en-US" altLang="ko-KR" dirty="0"/>
+                        <a:t>7</a:t>
+                      </a:r>
+                      <a:r>
+                        <a:rPr lang="ko-KR" altLang="en-US" dirty="0"/>
+                        <a:t>주차</a:t>
+                      </a:r>
+                    </a:p>
+                  </a:txBody>
+                  <a:tcPr/>
+                </a:tc>
+                <a:tc>
+                  <a:txBody>
+                    <a:bodyPr/>
+                    <a:lstStyle/>
+                    <a:p>
+                      <a:pPr latinLnBrk="1"/>
+                      <a:r>
+                        <a:rPr lang="en-US" altLang="ko-KR" dirty="0"/>
+                        <a:t>6</a:t>
+                      </a:r>
+                      <a:endParaRPr lang="ko-KR" altLang="en-US" dirty="0"/>
+                    </a:p>
+                  </a:txBody>
+                  <a:tcPr/>
+                </a:tc>
+                <a:extLst>
+                  <a:ext uri="{0D108BD9-81ED-4DB2-BD59-A6C34878D82A}">
+                    <a16:rowId xmlns:a16="http://schemas.microsoft.com/office/drawing/2014/main" val="2543599222"/>
+                  </a:ext>
+                </a:extLst>
+              </a:tr>
+              <a:tr h="370840">
+                <a:tc>
+                  <a:txBody>
+                    <a:bodyPr/>
+                    <a:lstStyle/>
+                    <a:p>
+                      <a:pPr latinLnBrk="1"/>
+                      <a:r>
+                        <a:rPr lang="en-US" altLang="ko-KR" dirty="0"/>
+                        <a:t>8</a:t>
+                      </a:r>
+                      <a:r>
+                        <a:rPr lang="ko-KR" altLang="en-US" dirty="0"/>
+                        <a:t>주차</a:t>
+                      </a:r>
+                    </a:p>
+                  </a:txBody>
+                  <a:tcPr/>
+                </a:tc>
+                <a:tc>
+                  <a:txBody>
+                    <a:bodyPr/>
+                    <a:lstStyle/>
+                    <a:p>
+                      <a:pPr latinLnBrk="1"/>
+                      <a:r>
+                        <a:rPr lang="en-US" altLang="ko-KR" dirty="0"/>
+                        <a:t>3</a:t>
+                      </a:r>
+                      <a:endParaRPr lang="ko-KR" altLang="en-US" dirty="0"/>
+                    </a:p>
+                  </a:txBody>
+                  <a:tcPr/>
+                </a:tc>
+                <a:extLst>
+                  <a:ext uri="{0D108BD9-81ED-4DB2-BD59-A6C34878D82A}">
+                    <a16:rowId xmlns:a16="http://schemas.microsoft.com/office/drawing/2014/main" val="2091749977"/>
+                  </a:ext>
+                </a:extLst>
+              </a:tr>
+              <a:tr h="370840">
+                <a:tc>
+                  <a:txBody>
+                    <a:bodyPr/>
+                    <a:lstStyle/>
+                    <a:p>
+                      <a:pPr latinLnBrk="1"/>
+                      <a:r>
+                        <a:rPr lang="en-US" altLang="ko-KR" dirty="0"/>
+                        <a:t>9</a:t>
+                      </a:r>
+                      <a:r>
+                        <a:rPr lang="ko-KR" altLang="en-US" dirty="0"/>
+                        <a:t>주차</a:t>
+                      </a:r>
+                    </a:p>
+                  </a:txBody>
+                  <a:tcPr/>
+                </a:tc>
+                <a:tc>
+                  <a:txBody>
+                    <a:bodyPr/>
+                    <a:lstStyle/>
+                    <a:p>
+                      <a:pPr latinLnBrk="1"/>
+                      <a:r>
+                        <a:rPr lang="en-US" altLang="ko-KR" dirty="0"/>
+                        <a:t>4</a:t>
+                      </a:r>
+                      <a:endParaRPr lang="ko-KR" altLang="en-US" dirty="0"/>
+                    </a:p>
+                  </a:txBody>
+                  <a:tcPr/>
+                </a:tc>
+                <a:extLst>
+                  <a:ext uri="{0D108BD9-81ED-4DB2-BD59-A6C34878D82A}">
+                    <a16:rowId xmlns:a16="http://schemas.microsoft.com/office/drawing/2014/main" val="4010316746"/>
+                  </a:ext>
+                </a:extLst>
+              </a:tr>
+            </a:tbl>
+          </a:graphicData>
+        </a:graphic>
+      </p:graphicFrame>
+    </p:spTree>
+    <p:extLst>
+      <p:ext uri="{BB962C8B-B14F-4D97-AF65-F5344CB8AC3E}">
+        <p14:creationId xmlns:p14="http://schemas.microsoft.com/office/powerpoint/2010/main" val="1734185633"/>
+      </p:ext>
+    </p:extLst>
+  </p:cSld>
+  <p:clrMapOvr>
+    <a:masterClrMapping/>
+  </p:clrMapOvr>
+</p:sld>
+</file>
+
 <file path=ppt/theme/theme1.xml><?xml version="1.0" encoding="utf-8"?>
 <a:theme xmlns:a="http://schemas.openxmlformats.org/drawingml/2006/main" name="SavonVTI">
   <a:themeElements>

--- a/2DGP 3차 발표.pptx
+++ b/2DGP 3차 발표.pptx
@@ -4850,6 +4850,14 @@
 <file path=ppt/slides/slide2.xml><?xml version="1.0" encoding="utf-8"?>
 <p:sld xmlns:a="http://schemas.openxmlformats.org/drawingml/2006/main" xmlns:r="http://schemas.openxmlformats.org/officeDocument/2006/relationships" xmlns:p="http://schemas.openxmlformats.org/presentationml/2006/main">
   <p:cSld>
+    <p:bg>
+      <p:bgPr>
+        <a:solidFill>
+          <a:schemeClr val="bg1"/>
+        </a:solidFill>
+        <a:effectLst/>
+      </p:bgPr>
+    </p:bg>
     <p:spTree>
       <p:nvGrpSpPr>
         <p:cNvPr id="1" name=""/>
@@ -4882,18 +4890,19 @@
         </p:nvSpPr>
         <p:spPr>
           <a:xfrm>
-            <a:off x="398890" y="515370"/>
-            <a:ext cx="10058400" cy="104829"/>
+            <a:off x="1066800" y="642594"/>
+            <a:ext cx="10058400" cy="1371600"/>
           </a:xfrm>
         </p:spPr>
         <p:txBody>
           <a:bodyPr>
-            <a:noAutofit/>
+            <a:normAutofit/>
           </a:bodyPr>
           <a:lstStyle/>
           <a:p>
-            <a:r>
-              <a:rPr lang="ko-KR" altLang="en-US" sz="2400" dirty="0"/>
+            <a:pPr algn="ctr"/>
+            <a:r>
+              <a:rPr lang="ko-KR" altLang="en-US"/>
               <a:t>개발 진척도</a:t>
             </a:r>
           </a:p>
@@ -4915,14 +4924,14 @@
             <p:ph idx="1"/>
             <p:extLst>
               <p:ext uri="{D42A27DB-BD31-4B8C-83A1-F6EECF244321}">
-                <p14:modId xmlns:p14="http://schemas.microsoft.com/office/powerpoint/2010/main" val="2530782281"/>
+                <p14:modId xmlns:p14="http://schemas.microsoft.com/office/powerpoint/2010/main" val="1784478957"/>
               </p:ext>
             </p:extLst>
           </p:nvPr>
         </p:nvGraphicFramePr>
         <p:xfrm>
-          <a:off x="1225826" y="763327"/>
-          <a:ext cx="8761012" cy="5669280"/>
+          <a:off x="1066800" y="2396434"/>
+          <a:ext cx="10058402" cy="3552871"/>
         </p:xfrm>
         <a:graphic>
           <a:graphicData uri="http://schemas.openxmlformats.org/drawingml/2006/table">
@@ -4931,28 +4940,28 @@
                 <a:tableStyleId>{5C22544A-7EE6-4342-B048-85BDC9FD1C3A}</a:tableStyleId>
               </a:tblPr>
               <a:tblGrid>
-                <a:gridCol w="2190253">
+                <a:gridCol w="1695251">
                   <a:extLst>
                     <a:ext uri="{9D8B030D-6E8A-4147-A177-3AD203B41FA5}">
                       <a16:colId xmlns:a16="http://schemas.microsoft.com/office/drawing/2014/main" val="787443284"/>
                     </a:ext>
                   </a:extLst>
                 </a:gridCol>
-                <a:gridCol w="2190253">
+                <a:gridCol w="3718601">
                   <a:extLst>
                     <a:ext uri="{9D8B030D-6E8A-4147-A177-3AD203B41FA5}">
                       <a16:colId xmlns:a16="http://schemas.microsoft.com/office/drawing/2014/main" val="693161503"/>
                     </a:ext>
                   </a:extLst>
                 </a:gridCol>
-                <a:gridCol w="2190253">
+                <a:gridCol w="3391270">
                   <a:extLst>
                     <a:ext uri="{9D8B030D-6E8A-4147-A177-3AD203B41FA5}">
                       <a16:colId xmlns:a16="http://schemas.microsoft.com/office/drawing/2014/main" val="1582964357"/>
                     </a:ext>
                   </a:extLst>
                 </a:gridCol>
-                <a:gridCol w="2190253">
+                <a:gridCol w="1253280">
                   <a:extLst>
                     <a:ext uri="{9D8B030D-6E8A-4147-A177-3AD203B41FA5}">
                       <a16:colId xmlns:a16="http://schemas.microsoft.com/office/drawing/2014/main" val="1752139023"/>
@@ -4960,7 +4969,7 @@
                   </a:extLst>
                 </a:gridCol>
               </a:tblGrid>
-              <a:tr h="309457">
+              <a:tr h="311407">
                 <a:tc>
                   <a:txBody>
                     <a:bodyPr/>
@@ -4968,12 +4977,12 @@
                     <a:p>
                       <a:pPr latinLnBrk="1"/>
                       <a:r>
-                        <a:rPr lang="ko-KR" altLang="en-US" sz="1600" dirty="0"/>
+                        <a:rPr lang="ko-KR" altLang="en-US" sz="1200"/>
                         <a:t>내용</a:t>
                       </a:r>
                     </a:p>
                   </a:txBody>
-                  <a:tcPr/>
+                  <a:tcPr marL="70774" marR="70774" marT="35387" marB="35387"/>
                 </a:tc>
                 <a:tc>
                   <a:txBody>
@@ -4982,12 +4991,12 @@
                     <a:p>
                       <a:pPr latinLnBrk="1"/>
                       <a:r>
-                        <a:rPr lang="ko-KR" altLang="en-US" sz="1600" dirty="0"/>
+                        <a:rPr lang="ko-KR" altLang="en-US" sz="1200"/>
                         <a:t>목표 범위</a:t>
                       </a:r>
                     </a:p>
                   </a:txBody>
-                  <a:tcPr/>
+                  <a:tcPr marL="70774" marR="70774" marT="35387" marB="35387"/>
                 </a:tc>
                 <a:tc>
                   <a:txBody>
@@ -4996,12 +5005,12 @@
                     <a:p>
                       <a:pPr latinLnBrk="1"/>
                       <a:r>
-                        <a:rPr lang="ko-KR" altLang="en-US" dirty="0"/>
+                        <a:rPr lang="ko-KR" altLang="en-US" sz="1400"/>
                         <a:t>실제 개발 완료</a:t>
                       </a:r>
                     </a:p>
                   </a:txBody>
-                  <a:tcPr/>
+                  <a:tcPr marL="70774" marR="70774" marT="35387" marB="35387"/>
                 </a:tc>
                 <a:tc>
                   <a:txBody>
@@ -5010,12 +5019,12 @@
                     <a:p>
                       <a:pPr latinLnBrk="1"/>
                       <a:r>
-                        <a:rPr lang="ko-KR" altLang="en-US" dirty="0"/>
+                        <a:rPr lang="ko-KR" altLang="en-US" sz="1400"/>
                         <a:t>진척도</a:t>
                       </a:r>
                     </a:p>
                   </a:txBody>
-                  <a:tcPr/>
+                  <a:tcPr marL="70774" marR="70774" marT="35387" marB="35387"/>
                 </a:tc>
                 <a:extLst>
                   <a:ext uri="{0D108BD9-81ED-4DB2-BD59-A6C34878D82A}">
@@ -5023,7 +5032,7 @@
                   </a:ext>
                 </a:extLst>
               </a:tr>
-              <a:tr h="536144">
+              <a:tr h="523730">
                 <a:tc>
                   <a:txBody>
                     <a:bodyPr/>
@@ -5031,12 +5040,12 @@
                     <a:p>
                       <a:pPr latinLnBrk="1"/>
                       <a:r>
-                        <a:rPr lang="ko-KR" altLang="en-US" dirty="0"/>
+                        <a:rPr lang="ko-KR" altLang="en-US" sz="1400"/>
                         <a:t>캐릭터</a:t>
                       </a:r>
                     </a:p>
                   </a:txBody>
-                  <a:tcPr/>
+                  <a:tcPr marL="70774" marR="70774" marT="35387" marB="35387"/>
                 </a:tc>
                 <a:tc>
                   <a:txBody>
@@ -5045,20 +5054,20 @@
                     <a:p>
                       <a:pPr latinLnBrk="1"/>
                       <a:r>
-                        <a:rPr lang="ko-KR" altLang="en-US" dirty="0"/>
+                        <a:rPr lang="ko-KR" altLang="en-US" sz="1400"/>
                         <a:t>점프와 슬라이딩</a:t>
                       </a:r>
-                      <a:endParaRPr lang="en-US" altLang="ko-KR" dirty="0"/>
+                      <a:endParaRPr lang="en-US" altLang="ko-KR" sz="1400"/>
                     </a:p>
                     <a:p>
                       <a:pPr latinLnBrk="1"/>
                       <a:r>
-                        <a:rPr lang="ko-KR" altLang="en-US" dirty="0"/>
+                        <a:rPr lang="ko-KR" altLang="en-US" sz="1400"/>
                         <a:t>상점 업그레이드</a:t>
                       </a:r>
                     </a:p>
                   </a:txBody>
-                  <a:tcPr/>
+                  <a:tcPr marL="70774" marR="70774" marT="35387" marB="35387"/>
                 </a:tc>
                 <a:tc>
                   <a:txBody>
@@ -5067,20 +5076,20 @@
                     <a:p>
                       <a:pPr latinLnBrk="1"/>
                       <a:r>
-                        <a:rPr lang="ko-KR" altLang="en-US" dirty="0"/>
+                        <a:rPr lang="ko-KR" altLang="en-US" sz="1400"/>
                         <a:t>점프와 슬라이딩</a:t>
                       </a:r>
-                      <a:endParaRPr lang="en-US" altLang="ko-KR" dirty="0"/>
+                      <a:endParaRPr lang="en-US" altLang="ko-KR" sz="1400"/>
                     </a:p>
                     <a:p>
                       <a:pPr latinLnBrk="1"/>
                       <a:r>
-                        <a:rPr lang="ko-KR" altLang="en-US" dirty="0"/>
+                        <a:rPr lang="ko-KR" altLang="en-US" sz="1400"/>
                         <a:t>업그레이드 기능</a:t>
                       </a:r>
                     </a:p>
                   </a:txBody>
-                  <a:tcPr/>
+                  <a:tcPr marL="70774" marR="70774" marT="35387" marB="35387"/>
                 </a:tc>
                 <a:tc>
                   <a:txBody>
@@ -5089,13 +5098,13 @@
                     <a:p>
                       <a:pPr latinLnBrk="1"/>
                       <a:r>
-                        <a:rPr lang="en-US" altLang="ko-KR" dirty="0"/>
+                        <a:rPr lang="en-US" altLang="ko-KR" sz="1400"/>
                         <a:t>100%</a:t>
                       </a:r>
-                      <a:endParaRPr lang="ko-KR" altLang="en-US" dirty="0"/>
+                      <a:endParaRPr lang="ko-KR" altLang="en-US" sz="1400"/>
                     </a:p>
                   </a:txBody>
-                  <a:tcPr/>
+                  <a:tcPr marL="70774" marR="70774" marT="35387" marB="35387"/>
                 </a:tc>
                 <a:extLst>
                   <a:ext uri="{0D108BD9-81ED-4DB2-BD59-A6C34878D82A}">
@@ -5103,7 +5112,7 @@
                   </a:ext>
                 </a:extLst>
               </a:tr>
-              <a:tr h="309457">
+              <a:tr h="311407">
                 <a:tc>
                   <a:txBody>
                     <a:bodyPr/>
@@ -5111,12 +5120,12 @@
                     <a:p>
                       <a:pPr latinLnBrk="1"/>
                       <a:r>
-                        <a:rPr lang="ko-KR" altLang="en-US" dirty="0"/>
+                        <a:rPr lang="ko-KR" altLang="en-US" sz="1400"/>
                         <a:t>맵</a:t>
                       </a:r>
                     </a:p>
                   </a:txBody>
-                  <a:tcPr/>
+                  <a:tcPr marL="70774" marR="70774" marT="35387" marB="35387"/>
                 </a:tc>
                 <a:tc>
                   <a:txBody>
@@ -5125,28 +5134,28 @@
                     <a:p>
                       <a:pPr latinLnBrk="1"/>
                       <a:r>
-                        <a:rPr lang="ko-KR" altLang="en-US" dirty="0"/>
+                        <a:rPr lang="ko-KR" altLang="en-US" sz="1400"/>
                         <a:t>장애물</a:t>
                       </a:r>
                       <a:r>
-                        <a:rPr lang="en-US" altLang="ko-KR" dirty="0"/>
+                        <a:rPr lang="en-US" altLang="ko-KR" sz="1400"/>
                         <a:t>, </a:t>
                       </a:r>
                       <a:r>
-                        <a:rPr lang="ko-KR" altLang="en-US" dirty="0"/>
+                        <a:rPr lang="ko-KR" altLang="en-US" sz="1400"/>
                         <a:t>젤리</a:t>
                       </a:r>
                       <a:r>
-                        <a:rPr lang="en-US" altLang="ko-KR" dirty="0"/>
+                        <a:rPr lang="en-US" altLang="ko-KR" sz="1400"/>
                         <a:t> 3</a:t>
                       </a:r>
                       <a:r>
-                        <a:rPr lang="ko-KR" altLang="en-US" dirty="0"/>
+                        <a:rPr lang="ko-KR" altLang="en-US" sz="1400"/>
                         <a:t>종</a:t>
                       </a:r>
                     </a:p>
                   </a:txBody>
-                  <a:tcPr/>
+                  <a:tcPr marL="70774" marR="70774" marT="35387" marB="35387"/>
                 </a:tc>
                 <a:tc>
                   <a:txBody>
@@ -5155,29 +5164,29 @@
                     <a:p>
                       <a:pPr latinLnBrk="1"/>
                       <a:r>
-                        <a:rPr lang="ko-KR" altLang="en-US" dirty="0"/>
+                        <a:rPr lang="ko-KR" altLang="en-US" sz="1400"/>
                         <a:t>장애물</a:t>
                       </a:r>
                       <a:r>
-                        <a:rPr lang="en-US" altLang="ko-KR" dirty="0"/>
+                        <a:rPr lang="en-US" altLang="ko-KR" sz="1400"/>
                         <a:t>, </a:t>
                       </a:r>
                       <a:r>
-                        <a:rPr lang="ko-KR" altLang="en-US" dirty="0"/>
+                        <a:rPr lang="ko-KR" altLang="en-US" sz="1400"/>
                         <a:t>젤리 </a:t>
                       </a:r>
                       <a:r>
-                        <a:rPr lang="en-US" altLang="ko-KR" dirty="0"/>
+                        <a:rPr lang="en-US" altLang="ko-KR" sz="1400"/>
                         <a:t>2</a:t>
                       </a:r>
                       <a:r>
-                        <a:rPr lang="ko-KR" altLang="en-US" dirty="0"/>
+                        <a:rPr lang="ko-KR" altLang="en-US" sz="1400"/>
                         <a:t>종</a:t>
                       </a:r>
-                      <a:endParaRPr lang="en-US" altLang="ko-KR" dirty="0"/>
+                      <a:endParaRPr lang="en-US" altLang="ko-KR" sz="1400"/>
                     </a:p>
                   </a:txBody>
-                  <a:tcPr/>
+                  <a:tcPr marL="70774" marR="70774" marT="35387" marB="35387"/>
                 </a:tc>
                 <a:tc>
                   <a:txBody>
@@ -5186,13 +5195,13 @@
                     <a:p>
                       <a:pPr latinLnBrk="1"/>
                       <a:r>
-                        <a:rPr lang="en-US" altLang="ko-KR" dirty="0"/>
+                        <a:rPr lang="en-US" altLang="ko-KR" sz="1400"/>
                         <a:t>80%</a:t>
                       </a:r>
-                      <a:endParaRPr lang="ko-KR" altLang="en-US" dirty="0"/>
+                      <a:endParaRPr lang="ko-KR" altLang="en-US" sz="1400"/>
                     </a:p>
                   </a:txBody>
-                  <a:tcPr/>
+                  <a:tcPr marL="70774" marR="70774" marT="35387" marB="35387"/>
                 </a:tc>
                 <a:extLst>
                   <a:ext uri="{0D108BD9-81ED-4DB2-BD59-A6C34878D82A}">
@@ -5200,7 +5209,7 @@
                   </a:ext>
                 </a:extLst>
               </a:tr>
-              <a:tr h="765919">
+              <a:tr h="736053">
                 <a:tc>
                   <a:txBody>
                     <a:bodyPr/>
@@ -5208,12 +5217,12 @@
                     <a:p>
                       <a:pPr latinLnBrk="1"/>
                       <a:r>
-                        <a:rPr lang="ko-KR" altLang="en-US" dirty="0"/>
+                        <a:rPr lang="ko-KR" altLang="en-US" sz="1400"/>
                         <a:t>게임기능</a:t>
                       </a:r>
                     </a:p>
                   </a:txBody>
-                  <a:tcPr/>
+                  <a:tcPr marL="70774" marR="70774" marT="35387" marB="35387"/>
                 </a:tc>
                 <a:tc>
                   <a:txBody>
@@ -5222,36 +5231,36 @@
                     <a:p>
                       <a:pPr latinLnBrk="1"/>
                       <a:r>
-                        <a:rPr lang="ko-KR" altLang="en-US" dirty="0"/>
+                        <a:rPr lang="ko-KR" altLang="en-US" sz="1400"/>
                         <a:t>장애물</a:t>
                       </a:r>
                       <a:r>
-                        <a:rPr lang="en-US" altLang="ko-KR" dirty="0"/>
+                        <a:rPr lang="en-US" altLang="ko-KR" sz="1400"/>
                         <a:t>, </a:t>
                       </a:r>
                       <a:r>
-                        <a:rPr lang="ko-KR" altLang="en-US" dirty="0"/>
+                        <a:rPr lang="ko-KR" altLang="en-US" sz="1400"/>
                         <a:t>젤리와 충돌</a:t>
                       </a:r>
-                      <a:endParaRPr lang="en-US" altLang="ko-KR" dirty="0"/>
+                      <a:endParaRPr lang="en-US" altLang="ko-KR" sz="1400"/>
                     </a:p>
                     <a:p>
                       <a:pPr latinLnBrk="1"/>
                       <a:r>
-                        <a:rPr lang="ko-KR" altLang="en-US" dirty="0"/>
+                        <a:rPr lang="ko-KR" altLang="en-US" sz="1400"/>
                         <a:t>획득 포인트 저장</a:t>
                       </a:r>
-                      <a:endParaRPr lang="en-US" altLang="ko-KR" dirty="0"/>
+                      <a:endParaRPr lang="en-US" altLang="ko-KR" sz="1400"/>
                     </a:p>
                     <a:p>
                       <a:pPr latinLnBrk="1"/>
                       <a:r>
-                        <a:rPr lang="ko-KR" altLang="en-US" dirty="0"/>
+                        <a:rPr lang="ko-KR" altLang="en-US" sz="1400"/>
                         <a:t>튜토리얼</a:t>
                       </a:r>
                     </a:p>
                   </a:txBody>
-                  <a:tcPr/>
+                  <a:tcPr marL="70774" marR="70774" marT="35387" marB="35387"/>
                 </a:tc>
                 <a:tc>
                   <a:txBody>
@@ -5260,20 +5269,20 @@
                     <a:p>
                       <a:pPr latinLnBrk="1"/>
                       <a:r>
-                        <a:rPr lang="ko-KR" altLang="en-US" dirty="0"/>
+                        <a:rPr lang="ko-KR" altLang="en-US" sz="1400"/>
                         <a:t>장애물 젤리 충돌 </a:t>
                       </a:r>
-                      <a:endParaRPr lang="en-US" altLang="ko-KR" dirty="0"/>
+                      <a:endParaRPr lang="en-US" altLang="ko-KR" sz="1400"/>
                     </a:p>
                     <a:p>
                       <a:pPr latinLnBrk="1"/>
                       <a:r>
-                        <a:rPr lang="ko-KR" altLang="en-US" dirty="0"/>
+                        <a:rPr lang="ko-KR" altLang="en-US" sz="1400"/>
                         <a:t>획득 포인트 저장</a:t>
                       </a:r>
                     </a:p>
                   </a:txBody>
-                  <a:tcPr/>
+                  <a:tcPr marL="70774" marR="70774" marT="35387" marB="35387"/>
                 </a:tc>
                 <a:tc>
                   <a:txBody>
@@ -5282,13 +5291,13 @@
                     <a:p>
                       <a:pPr latinLnBrk="1"/>
                       <a:r>
-                        <a:rPr lang="en-US" altLang="ko-KR" dirty="0"/>
+                        <a:rPr lang="en-US" altLang="ko-KR" sz="1400"/>
                         <a:t>70%</a:t>
                       </a:r>
-                      <a:endParaRPr lang="ko-KR" altLang="en-US" dirty="0"/>
+                      <a:endParaRPr lang="ko-KR" altLang="en-US" sz="1400"/>
                     </a:p>
                   </a:txBody>
-                  <a:tcPr/>
+                  <a:tcPr marL="70774" marR="70774" marT="35387" marB="35387"/>
                 </a:tc>
                 <a:extLst>
                   <a:ext uri="{0D108BD9-81ED-4DB2-BD59-A6C34878D82A}">
@@ -5296,7 +5305,7 @@
                   </a:ext>
                 </a:extLst>
               </a:tr>
-              <a:tr h="536144">
+              <a:tr h="311407">
                 <a:tc>
                   <a:txBody>
                     <a:bodyPr/>
@@ -5304,12 +5313,12 @@
                     <a:p>
                       <a:pPr latinLnBrk="1"/>
                       <a:r>
-                        <a:rPr lang="ko-KR" altLang="en-US" dirty="0"/>
+                        <a:rPr lang="ko-KR" altLang="en-US" sz="1400"/>
                         <a:t>아이템</a:t>
                       </a:r>
                     </a:p>
                   </a:txBody>
-                  <a:tcPr/>
+                  <a:tcPr marL="70774" marR="70774" marT="35387" marB="35387"/>
                 </a:tc>
                 <a:tc>
                   <a:txBody>
@@ -5318,29 +5327,25 @@
                     <a:p>
                       <a:pPr latinLnBrk="1"/>
                       <a:r>
-                        <a:rPr lang="ko-KR" altLang="en-US" dirty="0" err="1"/>
-                        <a:t>인게임</a:t>
-                      </a:r>
-                      <a:r>
-                        <a:rPr lang="ko-KR" altLang="en-US" dirty="0"/>
-                        <a:t> 아이템</a:t>
-                      </a:r>
-                      <a:r>
-                        <a:rPr lang="en-US" altLang="ko-KR" dirty="0"/>
+                        <a:rPr lang="ko-KR" altLang="en-US" sz="1400"/>
+                        <a:t>인게임 아이템</a:t>
+                      </a:r>
+                      <a:r>
+                        <a:rPr lang="en-US" altLang="ko-KR" sz="1400"/>
                         <a:t>(3</a:t>
                       </a:r>
                       <a:r>
-                        <a:rPr lang="ko-KR" altLang="en-US" dirty="0"/>
+                        <a:rPr lang="ko-KR" altLang="en-US" sz="1400"/>
                         <a:t>종</a:t>
                       </a:r>
                       <a:r>
-                        <a:rPr lang="en-US" altLang="ko-KR" dirty="0"/>
+                        <a:rPr lang="en-US" altLang="ko-KR" sz="1400"/>
                         <a:t>)</a:t>
                       </a:r>
-                      <a:endParaRPr lang="ko-KR" altLang="en-US" dirty="0"/>
+                      <a:endParaRPr lang="ko-KR" altLang="en-US" sz="1400"/>
                     </a:p>
                   </a:txBody>
-                  <a:tcPr/>
+                  <a:tcPr marL="70774" marR="70774" marT="35387" marB="35387"/>
                 </a:tc>
                 <a:tc>
                   <a:txBody>
@@ -5349,29 +5354,28 @@
                     <a:p>
                       <a:pPr latinLnBrk="1"/>
                       <a:r>
-                        <a:rPr lang="ko-KR" altLang="en-US" dirty="0"/>
+                        <a:rPr lang="ko-KR" altLang="en-US" sz="1400"/>
                         <a:t>부스터</a:t>
                       </a:r>
                       <a:r>
-                        <a:rPr lang="en-US" altLang="ko-KR" dirty="0"/>
+                        <a:rPr lang="en-US" altLang="ko-KR" sz="1400"/>
                         <a:t>, </a:t>
                       </a:r>
                       <a:r>
-                        <a:rPr lang="ko-KR" altLang="en-US" dirty="0"/>
+                        <a:rPr lang="ko-KR" altLang="en-US" sz="1400"/>
                         <a:t>거대화</a:t>
                       </a:r>
                       <a:r>
-                        <a:rPr lang="en-US" altLang="ko-KR" dirty="0"/>
+                        <a:rPr lang="en-US" altLang="ko-KR" sz="1400"/>
                         <a:t>, hp</a:t>
                       </a:r>
                       <a:r>
-                        <a:rPr lang="ko-KR" altLang="en-US" dirty="0" err="1"/>
+                        <a:rPr lang="ko-KR" altLang="en-US" sz="1400"/>
                         <a:t>포션</a:t>
                       </a:r>
-                      <a:endParaRPr lang="ko-KR" altLang="en-US" dirty="0"/>
                     </a:p>
                   </a:txBody>
-                  <a:tcPr/>
+                  <a:tcPr marL="70774" marR="70774" marT="35387" marB="35387"/>
                 </a:tc>
                 <a:tc>
                   <a:txBody>
@@ -5380,13 +5384,13 @@
                     <a:p>
                       <a:pPr latinLnBrk="1"/>
                       <a:r>
-                        <a:rPr lang="en-US" altLang="ko-KR" dirty="0"/>
+                        <a:rPr lang="en-US" altLang="ko-KR" sz="1400"/>
                         <a:t>100%</a:t>
                       </a:r>
-                      <a:endParaRPr lang="ko-KR" altLang="en-US" dirty="0"/>
+                      <a:endParaRPr lang="ko-KR" altLang="en-US" sz="1400"/>
                     </a:p>
                   </a:txBody>
-                  <a:tcPr/>
+                  <a:tcPr marL="70774" marR="70774" marT="35387" marB="35387"/>
                 </a:tc>
                 <a:extLst>
                   <a:ext uri="{0D108BD9-81ED-4DB2-BD59-A6C34878D82A}">
@@ -5394,7 +5398,7 @@
                   </a:ext>
                 </a:extLst>
               </a:tr>
-              <a:tr h="765919">
+              <a:tr h="523730">
                 <a:tc>
                   <a:txBody>
                     <a:bodyPr/>
@@ -5402,12 +5406,12 @@
                     <a:p>
                       <a:pPr latinLnBrk="1"/>
                       <a:r>
-                        <a:rPr lang="ko-KR" altLang="en-US" dirty="0"/>
+                        <a:rPr lang="ko-KR" altLang="en-US" sz="1400"/>
                         <a:t>사운드</a:t>
                       </a:r>
                     </a:p>
                   </a:txBody>
-                  <a:tcPr/>
+                  <a:tcPr marL="70774" marR="70774" marT="35387" marB="35387"/>
                 </a:tc>
                 <a:tc>
                   <a:txBody>
@@ -5416,48 +5420,48 @@
                     <a:p>
                       <a:pPr latinLnBrk="1"/>
                       <a:r>
-                        <a:rPr lang="en-US" altLang="ko-KR" dirty="0"/>
+                        <a:rPr lang="en-US" altLang="ko-KR" sz="1400"/>
                         <a:t>BGM, </a:t>
                       </a:r>
                       <a:r>
-                        <a:rPr lang="ko-KR" altLang="en-US" dirty="0"/>
+                        <a:rPr lang="ko-KR" altLang="en-US" sz="1400"/>
                         <a:t>피격</a:t>
                       </a:r>
                       <a:r>
-                        <a:rPr lang="en-US" altLang="ko-KR" dirty="0"/>
+                        <a:rPr lang="en-US" altLang="ko-KR" sz="1400"/>
                         <a:t>, </a:t>
                       </a:r>
                       <a:r>
-                        <a:rPr lang="ko-KR" altLang="en-US" dirty="0"/>
+                        <a:rPr lang="ko-KR" altLang="en-US" sz="1400"/>
                         <a:t>게임 오버</a:t>
                       </a:r>
                       <a:r>
-                        <a:rPr lang="en-US" altLang="ko-KR" dirty="0"/>
+                        <a:rPr lang="en-US" altLang="ko-KR" sz="1400"/>
                         <a:t>, </a:t>
                       </a:r>
                       <a:r>
-                        <a:rPr lang="ko-KR" altLang="en-US" dirty="0"/>
+                        <a:rPr lang="ko-KR" altLang="en-US" sz="1400"/>
                         <a:t>젤리 획득</a:t>
                       </a:r>
                       <a:r>
-                        <a:rPr lang="en-US" altLang="ko-KR" dirty="0"/>
+                        <a:rPr lang="en-US" altLang="ko-KR" sz="1400"/>
                         <a:t>, </a:t>
                       </a:r>
                       <a:r>
-                        <a:rPr lang="ko-KR" altLang="en-US" dirty="0"/>
+                        <a:rPr lang="ko-KR" altLang="en-US" sz="1400"/>
                         <a:t>점프</a:t>
                       </a:r>
                       <a:r>
-                        <a:rPr lang="en-US" altLang="ko-KR" dirty="0"/>
+                        <a:rPr lang="en-US" altLang="ko-KR" sz="1400"/>
                         <a:t>, </a:t>
                       </a:r>
                       <a:r>
-                        <a:rPr lang="ko-KR" altLang="en-US" dirty="0"/>
+                        <a:rPr lang="ko-KR" altLang="en-US" sz="1400"/>
                         <a:t>캐릭터 전용 사운드</a:t>
                       </a:r>
                     </a:p>
                   </a:txBody>
-                  <a:tcPr/>
+                  <a:tcPr marL="70774" marR="70774" marT="35387" marB="35387"/>
                 </a:tc>
                 <a:tc>
                   <a:txBody>
@@ -5466,13 +5470,12 @@
                     <a:p>
                       <a:pPr latinLnBrk="1"/>
                       <a:r>
-                        <a:rPr lang="ko-KR" altLang="en-US" dirty="0" err="1"/>
+                        <a:rPr lang="ko-KR" altLang="en-US" sz="1400"/>
                         <a:t>미구현</a:t>
                       </a:r>
-                      <a:endParaRPr lang="ko-KR" altLang="en-US" dirty="0"/>
                     </a:p>
                   </a:txBody>
-                  <a:tcPr/>
+                  <a:tcPr marL="70774" marR="70774" marT="35387" marB="35387"/>
                 </a:tc>
                 <a:tc>
                   <a:txBody>
@@ -5481,13 +5484,13 @@
                     <a:p>
                       <a:pPr latinLnBrk="1"/>
                       <a:r>
-                        <a:rPr lang="en-US" altLang="ko-KR" dirty="0"/>
+                        <a:rPr lang="en-US" altLang="ko-KR" sz="1400"/>
                         <a:t>0%</a:t>
                       </a:r>
-                      <a:endParaRPr lang="ko-KR" altLang="en-US" dirty="0"/>
+                      <a:endParaRPr lang="ko-KR" altLang="en-US" sz="1400"/>
                     </a:p>
                   </a:txBody>
-                  <a:tcPr/>
+                  <a:tcPr marL="70774" marR="70774" marT="35387" marB="35387"/>
                 </a:tc>
                 <a:extLst>
                   <a:ext uri="{0D108BD9-81ED-4DB2-BD59-A6C34878D82A}">
@@ -5495,7 +5498,7 @@
                   </a:ext>
                 </a:extLst>
               </a:tr>
-              <a:tr h="765919">
+              <a:tr h="523730">
                 <a:tc>
                   <a:txBody>
                     <a:bodyPr/>
@@ -5503,12 +5506,12 @@
                     <a:p>
                       <a:pPr latinLnBrk="1"/>
                       <a:r>
-                        <a:rPr lang="ko-KR" altLang="en-US" dirty="0"/>
+                        <a:rPr lang="ko-KR" altLang="en-US" sz="1400"/>
                         <a:t>애니메이션</a:t>
                       </a:r>
                     </a:p>
                   </a:txBody>
-                  <a:tcPr/>
+                  <a:tcPr marL="70774" marR="70774" marT="35387" marB="35387"/>
                 </a:tc>
                 <a:tc>
                   <a:txBody>
@@ -5517,44 +5520,44 @@
                     <a:p>
                       <a:pPr latinLnBrk="1"/>
                       <a:r>
-                        <a:rPr lang="ko-KR" altLang="en-US" dirty="0"/>
+                        <a:rPr lang="ko-KR" altLang="en-US" sz="1400"/>
                         <a:t>달리기</a:t>
                       </a:r>
                       <a:r>
-                        <a:rPr lang="en-US" altLang="ko-KR" dirty="0"/>
+                        <a:rPr lang="en-US" altLang="ko-KR" sz="1400"/>
                         <a:t>, </a:t>
                       </a:r>
                       <a:r>
-                        <a:rPr lang="ko-KR" altLang="en-US" dirty="0"/>
+                        <a:rPr lang="ko-KR" altLang="en-US" sz="1400"/>
                         <a:t>슬라이딩</a:t>
                       </a:r>
                       <a:r>
-                        <a:rPr lang="en-US" altLang="ko-KR" dirty="0"/>
+                        <a:rPr lang="en-US" altLang="ko-KR" sz="1400"/>
                         <a:t>, </a:t>
                       </a:r>
                       <a:r>
-                        <a:rPr lang="ko-KR" altLang="en-US" dirty="0"/>
+                        <a:rPr lang="ko-KR" altLang="en-US" sz="1400"/>
                         <a:t>점프</a:t>
                       </a:r>
                       <a:r>
-                        <a:rPr lang="en-US" altLang="ko-KR" dirty="0"/>
+                        <a:rPr lang="en-US" altLang="ko-KR" sz="1400"/>
                         <a:t>, 2</a:t>
                       </a:r>
                       <a:r>
-                        <a:rPr lang="ko-KR" altLang="en-US" dirty="0" err="1"/>
+                        <a:rPr lang="ko-KR" altLang="en-US" sz="1400"/>
                         <a:t>단점프</a:t>
                       </a:r>
                       <a:r>
-                        <a:rPr lang="en-US" altLang="ko-KR" dirty="0"/>
+                        <a:rPr lang="en-US" altLang="ko-KR" sz="1400"/>
                         <a:t>, </a:t>
                       </a:r>
                       <a:r>
-                        <a:rPr lang="ko-KR" altLang="en-US" dirty="0"/>
+                        <a:rPr lang="ko-KR" altLang="en-US" sz="1400"/>
                         <a:t>캐릭터 전용 애니메이션</a:t>
                       </a:r>
                     </a:p>
                   </a:txBody>
-                  <a:tcPr/>
+                  <a:tcPr marL="70774" marR="70774" marT="35387" marB="35387"/>
                 </a:tc>
                 <a:tc>
                   <a:txBody>
@@ -5563,37 +5566,36 @@
                     <a:p>
                       <a:pPr latinLnBrk="1"/>
                       <a:r>
-                        <a:rPr lang="ko-KR" altLang="en-US" dirty="0"/>
+                        <a:rPr lang="ko-KR" altLang="en-US" sz="1400"/>
                         <a:t>달리기</a:t>
                       </a:r>
                       <a:r>
-                        <a:rPr lang="en-US" altLang="ko-KR" dirty="0"/>
+                        <a:rPr lang="en-US" altLang="ko-KR" sz="1400"/>
                         <a:t>, </a:t>
                       </a:r>
                       <a:r>
-                        <a:rPr lang="ko-KR" altLang="en-US" dirty="0"/>
+                        <a:rPr lang="ko-KR" altLang="en-US" sz="1400"/>
                         <a:t>슬라이딩</a:t>
                       </a:r>
                       <a:r>
-                        <a:rPr lang="en-US" altLang="ko-KR" dirty="0"/>
+                        <a:rPr lang="en-US" altLang="ko-KR" sz="1400"/>
                         <a:t>,  </a:t>
                       </a:r>
                       <a:r>
-                        <a:rPr lang="ko-KR" altLang="en-US" dirty="0"/>
+                        <a:rPr lang="ko-KR" altLang="en-US" sz="1400"/>
                         <a:t>점프</a:t>
                       </a:r>
                       <a:r>
-                        <a:rPr lang="en-US" altLang="ko-KR" dirty="0"/>
+                        <a:rPr lang="en-US" altLang="ko-KR" sz="1400"/>
                         <a:t>, 2</a:t>
                       </a:r>
                       <a:r>
-                        <a:rPr lang="ko-KR" altLang="en-US" dirty="0" err="1"/>
+                        <a:rPr lang="ko-KR" altLang="en-US" sz="1400"/>
                         <a:t>단점프</a:t>
                       </a:r>
-                      <a:endParaRPr lang="ko-KR" altLang="en-US" dirty="0"/>
                     </a:p>
                   </a:txBody>
-                  <a:tcPr/>
+                  <a:tcPr marL="70774" marR="70774" marT="35387" marB="35387"/>
                 </a:tc>
                 <a:tc>
                   <a:txBody>
@@ -5602,13 +5604,13 @@
                     <a:p>
                       <a:pPr latinLnBrk="1"/>
                       <a:r>
-                        <a:rPr lang="en-US" altLang="ko-KR" dirty="0"/>
+                        <a:rPr lang="en-US" altLang="ko-KR" sz="1400"/>
                         <a:t>90%</a:t>
                       </a:r>
-                      <a:endParaRPr lang="ko-KR" altLang="en-US" dirty="0"/>
+                      <a:endParaRPr lang="ko-KR" altLang="en-US" sz="1400"/>
                     </a:p>
                   </a:txBody>
-                  <a:tcPr/>
+                  <a:tcPr marL="70774" marR="70774" marT="35387" marB="35387"/>
                 </a:tc>
                 <a:extLst>
                   <a:ext uri="{0D108BD9-81ED-4DB2-BD59-A6C34878D82A}">
@@ -5616,7 +5618,7 @@
                   </a:ext>
                 </a:extLst>
               </a:tr>
-              <a:tr h="765919">
+              <a:tr h="311407">
                 <a:tc>
                   <a:txBody>
                     <a:bodyPr/>
@@ -5624,12 +5626,12 @@
                     <a:p>
                       <a:pPr latinLnBrk="1"/>
                       <a:r>
-                        <a:rPr lang="ko-KR" altLang="en-US" dirty="0"/>
+                        <a:rPr lang="ko-KR" altLang="en-US" sz="1400"/>
                         <a:t>상점</a:t>
                       </a:r>
                     </a:p>
                   </a:txBody>
-                  <a:tcPr/>
+                  <a:tcPr marL="70774" marR="70774" marT="35387" marB="35387"/>
                 </a:tc>
                 <a:tc>
                   <a:txBody>
@@ -5638,40 +5640,36 @@
                     <a:p>
                       <a:pPr latinLnBrk="1"/>
                       <a:r>
-                        <a:rPr lang="ko-KR" altLang="en-US" dirty="0" err="1"/>
-                        <a:t>부스트</a:t>
-                      </a:r>
-                      <a:r>
-                        <a:rPr lang="ko-KR" altLang="en-US" dirty="0"/>
-                        <a:t> 아이템 </a:t>
-                      </a:r>
-                      <a:r>
-                        <a:rPr lang="en-US" altLang="ko-KR" dirty="0"/>
+                        <a:rPr lang="ko-KR" altLang="en-US" sz="1400"/>
+                        <a:t>부스트 아이템 </a:t>
+                      </a:r>
+                      <a:r>
+                        <a:rPr lang="en-US" altLang="ko-KR" sz="1400"/>
                         <a:t>3</a:t>
                       </a:r>
                       <a:r>
-                        <a:rPr lang="ko-KR" altLang="en-US" dirty="0"/>
+                        <a:rPr lang="ko-KR" altLang="en-US" sz="1400"/>
                         <a:t>종</a:t>
                       </a:r>
                       <a:r>
-                        <a:rPr lang="en-US" altLang="ko-KR" dirty="0"/>
+                        <a:rPr lang="en-US" altLang="ko-KR" sz="1400"/>
                         <a:t>, </a:t>
                       </a:r>
                       <a:r>
-                        <a:rPr lang="ko-KR" altLang="en-US" dirty="0"/>
+                        <a:rPr lang="ko-KR" altLang="en-US" sz="1400"/>
                         <a:t>캐릭터</a:t>
                       </a:r>
                       <a:r>
-                        <a:rPr lang="en-US" altLang="ko-KR" dirty="0"/>
+                        <a:rPr lang="en-US" altLang="ko-KR" sz="1400"/>
                         <a:t>, </a:t>
                       </a:r>
                       <a:r>
-                        <a:rPr lang="ko-KR" altLang="en-US" dirty="0"/>
+                        <a:rPr lang="ko-KR" altLang="en-US" sz="1400"/>
                         <a:t>펫 구매</a:t>
                       </a:r>
                     </a:p>
                   </a:txBody>
-                  <a:tcPr/>
+                  <a:tcPr marL="70774" marR="70774" marT="35387" marB="35387"/>
                 </a:tc>
                 <a:tc>
                   <a:txBody>
@@ -5680,40 +5678,36 @@
                     <a:p>
                       <a:pPr latinLnBrk="1"/>
                       <a:r>
-                        <a:rPr lang="ko-KR" altLang="en-US" dirty="0" err="1"/>
-                        <a:t>부스트</a:t>
-                      </a:r>
-                      <a:r>
-                        <a:rPr lang="ko-KR" altLang="en-US" dirty="0"/>
-                        <a:t> 아이템 </a:t>
-                      </a:r>
-                      <a:r>
-                        <a:rPr lang="en-US" altLang="ko-KR" dirty="0"/>
+                        <a:rPr lang="ko-KR" altLang="en-US" sz="1400"/>
+                        <a:t>부스트 아이템 </a:t>
+                      </a:r>
+                      <a:r>
+                        <a:rPr lang="en-US" altLang="ko-KR" sz="1400"/>
                         <a:t>2</a:t>
                       </a:r>
                       <a:r>
-                        <a:rPr lang="ko-KR" altLang="en-US" dirty="0"/>
+                        <a:rPr lang="ko-KR" altLang="en-US" sz="1400"/>
                         <a:t>종</a:t>
                       </a:r>
                       <a:r>
-                        <a:rPr lang="en-US" altLang="ko-KR" dirty="0"/>
+                        <a:rPr lang="en-US" altLang="ko-KR" sz="1400"/>
                         <a:t>, </a:t>
                       </a:r>
                       <a:r>
-                        <a:rPr lang="ko-KR" altLang="en-US" dirty="0"/>
+                        <a:rPr lang="ko-KR" altLang="en-US" sz="1400"/>
                         <a:t>구매 가능 캐릭터 </a:t>
                       </a:r>
                       <a:r>
-                        <a:rPr lang="en-US" altLang="ko-KR" dirty="0"/>
+                        <a:rPr lang="en-US" altLang="ko-KR" sz="1400"/>
                         <a:t>3</a:t>
                       </a:r>
                       <a:r>
-                        <a:rPr lang="ko-KR" altLang="en-US" dirty="0"/>
+                        <a:rPr lang="ko-KR" altLang="en-US" sz="1400"/>
                         <a:t>종</a:t>
                       </a:r>
                     </a:p>
                   </a:txBody>
-                  <a:tcPr/>
+                  <a:tcPr marL="70774" marR="70774" marT="35387" marB="35387"/>
                 </a:tc>
                 <a:tc>
                   <a:txBody>
@@ -5722,13 +5716,13 @@
                     <a:p>
                       <a:pPr latinLnBrk="1"/>
                       <a:r>
-                        <a:rPr lang="en-US" altLang="ko-KR" dirty="0"/>
+                        <a:rPr lang="en-US" altLang="ko-KR" sz="1400"/>
                         <a:t>70%</a:t>
                       </a:r>
-                      <a:endParaRPr lang="ko-KR" altLang="en-US" dirty="0"/>
+                      <a:endParaRPr lang="ko-KR" altLang="en-US" sz="1400"/>
                     </a:p>
                   </a:txBody>
-                  <a:tcPr/>
+                  <a:tcPr marL="70774" marR="70774" marT="35387" marB="35387"/>
                 </a:tc>
                 <a:extLst>
                   <a:ext uri="{0D108BD9-81ED-4DB2-BD59-A6C34878D82A}">
@@ -5822,14 +5816,14 @@
             <p:ph idx="1"/>
             <p:extLst>
               <p:ext uri="{D42A27DB-BD31-4B8C-83A1-F6EECF244321}">
-                <p14:modId xmlns:p14="http://schemas.microsoft.com/office/powerpoint/2010/main" val="4016537809"/>
+                <p14:modId xmlns:p14="http://schemas.microsoft.com/office/powerpoint/2010/main" val="2256356142"/>
               </p:ext>
             </p:extLst>
           </p:nvPr>
         </p:nvGraphicFramePr>
         <p:xfrm>
           <a:off x="1066800" y="2103438"/>
-          <a:ext cx="10058400" cy="3708400"/>
+          <a:ext cx="4763730" cy="3708400"/>
         </p:xfrm>
         <a:graphic>
           <a:graphicData uri="http://schemas.openxmlformats.org/drawingml/2006/table">
@@ -5838,14 +5832,14 @@
                 <a:tableStyleId>{5C22544A-7EE6-4342-B048-85BDC9FD1C3A}</a:tableStyleId>
               </a:tblPr>
               <a:tblGrid>
-                <a:gridCol w="5029200">
+                <a:gridCol w="2381865">
                   <a:extLst>
                     <a:ext uri="{9D8B030D-6E8A-4147-A177-3AD203B41FA5}">
                       <a16:colId xmlns:a16="http://schemas.microsoft.com/office/drawing/2014/main" val="3653428354"/>
                     </a:ext>
                   </a:extLst>
                 </a:gridCol>
-                <a:gridCol w="5029200">
+                <a:gridCol w="2381865">
                   <a:extLst>
                     <a:ext uri="{9D8B030D-6E8A-4147-A177-3AD203B41FA5}">
                       <a16:colId xmlns:a16="http://schemas.microsoft.com/office/drawing/2014/main" val="119748055"/>
@@ -6239,7 +6233,7 @@
                       <a:pPr latinLnBrk="1"/>
                       <a:r>
                         <a:rPr lang="en-US" altLang="ko-KR" dirty="0"/>
-                        <a:t>4</a:t>
+                        <a:t>6</a:t>
                       </a:r>
                       <a:endParaRPr lang="ko-KR" altLang="en-US" dirty="0"/>
                     </a:p>
@@ -6256,6 +6250,42 @@
           </a:graphicData>
         </a:graphic>
       </p:graphicFrame>
+      <p:pic>
+        <p:nvPicPr>
+          <p:cNvPr id="5" name="그림 4" descr="스크린샷, 모니터, 컴퓨터, 노트북이(가) 표시된 사진&#10;&#10;자동 생성된 설명">
+            <a:extLst>
+              <a:ext uri="{FF2B5EF4-FFF2-40B4-BE49-F238E27FC236}">
+                <a16:creationId xmlns:a16="http://schemas.microsoft.com/office/drawing/2014/main" id="{9F89B41D-1D1A-4FD7-85CE-E61C6E0981FC}"/>
+              </a:ext>
+            </a:extLst>
+          </p:cNvPr>
+          <p:cNvPicPr>
+            <a:picLocks noChangeAspect="1"/>
+          </p:cNvPicPr>
+          <p:nvPr/>
+        </p:nvPicPr>
+        <p:blipFill>
+          <a:blip r:embed="rId2">
+            <a:extLst>
+              <a:ext uri="{28A0092B-C50C-407E-A947-70E740481C1C}">
+                <a14:useLocalDpi xmlns:a14="http://schemas.microsoft.com/office/drawing/2010/main" val="0"/>
+              </a:ext>
+            </a:extLst>
+          </a:blip>
+          <a:stretch>
+            <a:fillRect/>
+          </a:stretch>
+        </p:blipFill>
+        <p:spPr>
+          <a:xfrm>
+            <a:off x="6281959" y="2257139"/>
+            <a:ext cx="4996621" cy="3193057"/>
+          </a:xfrm>
+          <a:prstGeom prst="rect">
+            <a:avLst/>
+          </a:prstGeom>
+        </p:spPr>
+      </p:pic>
     </p:spTree>
     <p:extLst>
       <p:ext uri="{BB962C8B-B14F-4D97-AF65-F5344CB8AC3E}">
